--- a/_SLIDES/2020_DEEL1/H1- Eerste Stappen/H1_6_kleuren in console.pptx
+++ b/_SLIDES/2020_DEEL1/H1- Eerste Stappen/H1_6_kleuren in console.pptx
@@ -5,37 +5,38 @@
     <p:sldMasterId id="2147483684" r:id="rId1"/>
   </p:sldMasterIdLst>
   <p:notesMasterIdLst>
-    <p:notesMasterId r:id="rId6"/>
+    <p:notesMasterId r:id="rId7"/>
   </p:notesMasterIdLst>
   <p:handoutMasterIdLst>
-    <p:handoutMasterId r:id="rId7"/>
+    <p:handoutMasterId r:id="rId8"/>
   </p:handoutMasterIdLst>
   <p:sldIdLst>
     <p:sldId id="256" r:id="rId2"/>
     <p:sldId id="262" r:id="rId3"/>
     <p:sldId id="263" r:id="rId4"/>
     <p:sldId id="259" r:id="rId5"/>
+    <p:sldId id="330" r:id="rId6"/>
   </p:sldIdLst>
   <p:sldSz cx="12192000" cy="6858000"/>
   <p:notesSz cx="7099300" cy="10234613"/>
   <p:embeddedFontLst>
     <p:embeddedFont>
-      <p:font typeface="Archivo Narrow" panose="020B0506020202020B04" pitchFamily="34" charset="0"/>
-      <p:regular r:id="rId8"/>
-      <p:bold r:id="rId9"/>
-      <p:italic r:id="rId10"/>
+      <p:font typeface="Archivo Narrow" panose="020B0604020202020204" charset="0"/>
+      <p:regular r:id="rId9"/>
+      <p:bold r:id="rId10"/>
+      <p:italic r:id="rId11"/>
     </p:embeddedFont>
     <p:embeddedFont>
       <p:font typeface="Blogger Sans" panose="02000506030000020004" charset="0"/>
-      <p:regular r:id="rId11"/>
-      <p:bold r:id="rId12"/>
+      <p:regular r:id="rId12"/>
+      <p:bold r:id="rId13"/>
     </p:embeddedFont>
     <p:embeddedFont>
       <p:font typeface="Calibri" panose="020F0502020204030204" pitchFamily="34" charset="0"/>
-      <p:regular r:id="rId13"/>
-      <p:bold r:id="rId14"/>
-      <p:italic r:id="rId15"/>
-      <p:boldItalic r:id="rId16"/>
+      <p:regular r:id="rId14"/>
+      <p:bold r:id="rId15"/>
+      <p:italic r:id="rId16"/>
+      <p:boldItalic r:id="rId17"/>
     </p:embeddedFont>
   </p:embeddedFontLst>
   <p:defaultTextStyle>
@@ -248,7 +249,7 @@
           <a:p>
             <a:fld id="{85EE1F57-E73E-475C-872F-886F27274373}" type="datetimeFigureOut">
               <a:rPr lang="nl-BE" smtClean="0"/>
-              <a:t>7/09/2020</a:t>
+              <a:t>2/05/2023</a:t>
             </a:fld>
             <a:endParaRPr lang="nl-BE"/>
           </a:p>
@@ -413,7 +414,7 @@
           <a:p>
             <a:fld id="{E0BBF532-A5DD-4E27-82A5-D972027CDA5D}" type="datetimeFigureOut">
               <a:rPr lang="nl-BE" smtClean="0"/>
-              <a:t>7/09/2020</a:t>
+              <a:t>2/05/2023</a:t>
             </a:fld>
             <a:endParaRPr lang="nl-BE"/>
           </a:p>
@@ -1025,7 +1026,7 @@
           <a:p>
             <a:fld id="{19D05995-AAD3-4A76-9E9D-87C6D135A410}" type="datetime1">
               <a:rPr lang="nl-BE" smtClean="0"/>
-              <a:t>7/09/2020</a:t>
+              <a:t>2/05/2023</a:t>
             </a:fld>
             <a:endParaRPr lang="nl-BE" dirty="0"/>
           </a:p>
@@ -1322,7 +1323,7 @@
           <a:p>
             <a:fld id="{6A28F569-EE91-473C-AE9D-72EA90657BAE}" type="datetime1">
               <a:rPr lang="nl-BE" smtClean="0"/>
-              <a:t>7/09/2020</a:t>
+              <a:t>2/05/2023</a:t>
             </a:fld>
             <a:endParaRPr lang="nl-BE"/>
           </a:p>
@@ -1535,7 +1536,7 @@
           <a:p>
             <a:fld id="{5484577F-A5D8-4F4E-92DE-F273CD5CCBAE}" type="datetime1">
               <a:rPr lang="nl-BE" smtClean="0"/>
-              <a:t>7/09/2020</a:t>
+              <a:t>2/05/2023</a:t>
             </a:fld>
             <a:endParaRPr lang="nl-BE"/>
           </a:p>
@@ -1768,7 +1769,7 @@
           <a:p>
             <a:fld id="{D9BAE87D-A192-462F-A521-06B488E34A38}" type="datetime1">
               <a:rPr lang="nl-BE" smtClean="0"/>
-              <a:t>7/09/2020</a:t>
+              <a:t>2/05/2023</a:t>
             </a:fld>
             <a:endParaRPr lang="nl-BE"/>
           </a:p>
@@ -2048,7 +2049,7 @@
           <a:p>
             <a:fld id="{DE113FE0-377E-405E-A995-BBB70FFB857F}" type="datetime1">
               <a:rPr lang="nl-BE" smtClean="0"/>
-              <a:t>7/09/2020</a:t>
+              <a:t>2/05/2023</a:t>
             </a:fld>
             <a:endParaRPr lang="nl-BE"/>
           </a:p>
@@ -2319,7 +2320,7 @@
           <a:p>
             <a:fld id="{2260288B-2E6F-4268-982B-641C23796678}" type="datetime1">
               <a:rPr lang="nl-BE" smtClean="0"/>
-              <a:t>7/09/2020</a:t>
+              <a:t>2/05/2023</a:t>
             </a:fld>
             <a:endParaRPr lang="nl-BE"/>
           </a:p>
@@ -2737,7 +2738,7 @@
           <a:p>
             <a:fld id="{17F5268B-0249-48B6-B6C1-83E959E97E29}" type="datetime1">
               <a:rPr lang="nl-BE" smtClean="0"/>
-              <a:t>7/09/2020</a:t>
+              <a:t>2/05/2023</a:t>
             </a:fld>
             <a:endParaRPr lang="nl-BE"/>
           </a:p>
@@ -2882,7 +2883,7 @@
           <a:p>
             <a:fld id="{FD4BE25C-1822-4614-BEC9-42071B93E6CB}" type="datetime1">
               <a:rPr lang="nl-BE" smtClean="0"/>
-              <a:t>7/09/2020</a:t>
+              <a:t>2/05/2023</a:t>
             </a:fld>
             <a:endParaRPr lang="nl-BE"/>
           </a:p>
@@ -3121,7 +3122,7 @@
           <a:p>
             <a:fld id="{9CE750D7-3D6C-4530-9118-52489DAA20B7}" type="datetime1">
               <a:rPr lang="nl-BE" smtClean="0"/>
-              <a:t>7/09/2020</a:t>
+              <a:t>2/05/2023</a:t>
             </a:fld>
             <a:endParaRPr lang="nl-BE"/>
           </a:p>
@@ -3437,7 +3438,7 @@
           <a:p>
             <a:fld id="{67605FD1-ECD8-47B3-9649-4E1F5A5A8D14}" type="datetime1">
               <a:rPr lang="nl-BE" smtClean="0"/>
-              <a:t>7/09/2020</a:t>
+              <a:t>2/05/2023</a:t>
             </a:fld>
             <a:endParaRPr lang="nl-BE"/>
           </a:p>
@@ -3733,7 +3734,7 @@
           <a:p>
             <a:fld id="{C9D63BB2-9342-434C-81A2-72D5D01CCCA8}" type="datetime1">
               <a:rPr lang="nl-BE" smtClean="0"/>
-              <a:t>7/09/2020</a:t>
+              <a:t>2/05/2023</a:t>
             </a:fld>
             <a:endParaRPr lang="nl-BE"/>
           </a:p>
@@ -3979,7 +3980,7 @@
           <a:p>
             <a:fld id="{218DDDC0-3BD6-4ACD-BA7F-B5CDC612E27B}" type="datetime1">
               <a:rPr lang="nl-BE" smtClean="0"/>
-              <a:t>7/09/2020</a:t>
+              <a:t>2/05/2023</a:t>
             </a:fld>
             <a:endParaRPr lang="nl-BE"/>
           </a:p>
@@ -5313,6 +5314,302 @@
       </p:par>
     </p:tnLst>
   </p:timing>
+</p:sld>
+</file>
+
+<file path=ppt/slides/slide5.xml><?xml version="1.0" encoding="utf-8"?>
+<p:sld xmlns:a="http://schemas.openxmlformats.org/drawingml/2006/main" xmlns:r="http://schemas.openxmlformats.org/officeDocument/2006/relationships" xmlns:p="http://schemas.openxmlformats.org/presentationml/2006/main">
+  <p:cSld>
+    <p:spTree>
+      <p:nvGrpSpPr>
+        <p:cNvPr id="1" name=""/>
+        <p:cNvGrpSpPr/>
+        <p:nvPr/>
+      </p:nvGrpSpPr>
+      <p:grpSpPr>
+        <a:xfrm>
+          <a:off x="0" y="0"/>
+          <a:ext cx="0" cy="0"/>
+          <a:chOff x="0" y="0"/>
+          <a:chExt cx="0" cy="0"/>
+        </a:xfrm>
+      </p:grpSpPr>
+      <p:sp>
+        <p:nvSpPr>
+          <p:cNvPr id="6" name="Rechthoek 5">
+            <a:extLst>
+              <a:ext uri="{FF2B5EF4-FFF2-40B4-BE49-F238E27FC236}">
+                <a16:creationId xmlns:a16="http://schemas.microsoft.com/office/drawing/2014/main" id="{C1CC89C1-DC1E-917B-D25E-69B5776D404F}"/>
+              </a:ext>
+            </a:extLst>
+          </p:cNvPr>
+          <p:cNvSpPr/>
+          <p:nvPr/>
+        </p:nvSpPr>
+        <p:spPr>
+          <a:xfrm>
+            <a:off x="838200" y="5085184"/>
+            <a:ext cx="10658400" cy="864096"/>
+          </a:xfrm>
+          <a:prstGeom prst="rect">
+            <a:avLst/>
+          </a:prstGeom>
+        </p:spPr>
+        <p:style>
+          <a:lnRef idx="2">
+            <a:schemeClr val="accent4">
+              <a:shade val="50000"/>
+            </a:schemeClr>
+          </a:lnRef>
+          <a:fillRef idx="1">
+            <a:schemeClr val="accent4"/>
+          </a:fillRef>
+          <a:effectRef idx="0">
+            <a:schemeClr val="accent4"/>
+          </a:effectRef>
+          <a:fontRef idx="minor">
+            <a:schemeClr val="lt1"/>
+          </a:fontRef>
+        </p:style>
+        <p:txBody>
+          <a:bodyPr rtlCol="0" anchor="ctr"/>
+          <a:lstStyle/>
+          <a:p>
+            <a:pPr algn="ctr"/>
+            <a:endParaRPr lang="nl-NL"/>
+          </a:p>
+        </p:txBody>
+      </p:sp>
+      <p:sp>
+        <p:nvSpPr>
+          <p:cNvPr id="2" name="Titel 1">
+            <a:extLst>
+              <a:ext uri="{FF2B5EF4-FFF2-40B4-BE49-F238E27FC236}">
+                <a16:creationId xmlns:a16="http://schemas.microsoft.com/office/drawing/2014/main" id="{6F8E1924-B892-8B5A-7836-BE57C96EF1D8}"/>
+              </a:ext>
+            </a:extLst>
+          </p:cNvPr>
+          <p:cNvSpPr>
+            <a:spLocks noGrp="1"/>
+          </p:cNvSpPr>
+          <p:nvPr>
+            <p:ph type="title"/>
+          </p:nvPr>
+        </p:nvSpPr>
+        <p:spPr/>
+        <p:txBody>
+          <a:bodyPr/>
+          <a:lstStyle/>
+          <a:p>
+            <a:r>
+              <a:rPr lang="en-US" dirty="0"/>
+              <a:t>Meer info</a:t>
+            </a:r>
+            <a:endParaRPr lang="nl-NL" dirty="0"/>
+          </a:p>
+        </p:txBody>
+      </p:sp>
+      <p:sp>
+        <p:nvSpPr>
+          <p:cNvPr id="3" name="Tijdelijke aanduiding voor inhoud 2">
+            <a:extLst>
+              <a:ext uri="{FF2B5EF4-FFF2-40B4-BE49-F238E27FC236}">
+                <a16:creationId xmlns:a16="http://schemas.microsoft.com/office/drawing/2014/main" id="{E732A4CC-42D6-F95B-C0C5-FF2A05D19786}"/>
+              </a:ext>
+            </a:extLst>
+          </p:cNvPr>
+          <p:cNvSpPr>
+            <a:spLocks noGrp="1"/>
+          </p:cNvSpPr>
+          <p:nvPr>
+            <p:ph idx="1"/>
+          </p:nvPr>
+        </p:nvSpPr>
+        <p:spPr>
+          <a:xfrm>
+            <a:off x="838200" y="1825624"/>
+            <a:ext cx="10515600" cy="4267671"/>
+          </a:xfrm>
+        </p:spPr>
+        <p:txBody>
+          <a:bodyPr>
+            <a:normAutofit fontScale="92500" lnSpcReduction="10000"/>
+          </a:bodyPr>
+          <a:lstStyle/>
+          <a:p>
+            <a:r>
+              <a:rPr lang="nl-BE" dirty="0"/>
+              <a:t>Slides gemaakt door </a:t>
+            </a:r>
+          </a:p>
+          <a:p>
+            <a:pPr lvl="1"/>
+            <a:r>
+              <a:rPr lang="nl-BE" dirty="0"/>
+              <a:t>Tim Dams (</a:t>
+            </a:r>
+            <a:r>
+              <a:rPr lang="nl-BE" dirty="0">
+                <a:hlinkClick r:id="rId2" action="ppaction://hlinkfile"/>
+              </a:rPr>
+              <a:t>ziescherp.be</a:t>
+            </a:r>
+            <a:r>
+              <a:rPr lang="nl-BE" dirty="0"/>
+              <a:t>), AP Hogeschool opleidingen elektronica-</a:t>
+            </a:r>
+            <a:r>
+              <a:rPr lang="nl-BE" dirty="0" err="1"/>
+              <a:t>ict</a:t>
+            </a:r>
+            <a:r>
+              <a:rPr lang="nl-BE" dirty="0"/>
+              <a:t> en toegepaste informatica</a:t>
+            </a:r>
+          </a:p>
+          <a:p>
+            <a:pPr lvl="1"/>
+            <a:endParaRPr lang="nl-BE" dirty="0"/>
+          </a:p>
+          <a:p>
+            <a:r>
+              <a:rPr lang="nl-BE" dirty="0"/>
+              <a:t>Sommige slides gebaseerd of gekopieerd van slidedecks van:</a:t>
+            </a:r>
+          </a:p>
+          <a:p>
+            <a:pPr lvl="1"/>
+            <a:r>
+              <a:rPr lang="nl-BE" sz="2200" dirty="0"/>
+              <a:t>Programmeren in C# door Douglas Bell en Mike Parr (vert. Kris Hermans)</a:t>
+            </a:r>
+          </a:p>
+          <a:p>
+            <a:pPr lvl="1"/>
+            <a:r>
+              <a:rPr lang="nl-BE" sz="2200" dirty="0"/>
+              <a:t>Microsoft Visual C# 2015: An </a:t>
+            </a:r>
+            <a:r>
+              <a:rPr lang="nl-BE" sz="2200" dirty="0" err="1"/>
+              <a:t>Introduction</a:t>
+            </a:r>
+            <a:r>
+              <a:rPr lang="nl-BE" sz="2200" dirty="0"/>
+              <a:t> </a:t>
+            </a:r>
+            <a:r>
+              <a:rPr lang="nl-BE" sz="2200" dirty="0" err="1"/>
+              <a:t>to</a:t>
+            </a:r>
+            <a:r>
+              <a:rPr lang="nl-BE" sz="2200" dirty="0"/>
+              <a:t> Object-</a:t>
+            </a:r>
+            <a:r>
+              <a:rPr lang="nl-BE" sz="2200" dirty="0" err="1"/>
+              <a:t>Oriented</a:t>
+            </a:r>
+            <a:r>
+              <a:rPr lang="nl-BE" sz="2200" dirty="0"/>
+              <a:t> Programming door Joyce </a:t>
+            </a:r>
+            <a:r>
+              <a:rPr lang="nl-BE" sz="2200" dirty="0" err="1"/>
+              <a:t>Farrell</a:t>
+            </a:r>
+            <a:endParaRPr lang="nl-BE" sz="2200" dirty="0"/>
+          </a:p>
+          <a:p>
+            <a:pPr lvl="1"/>
+            <a:r>
+              <a:rPr lang="nl-BE" dirty="0"/>
+              <a:t>E.a.</a:t>
+            </a:r>
+          </a:p>
+          <a:p>
+            <a:pPr lvl="1"/>
+            <a:endParaRPr lang="nl-BE" dirty="0"/>
+          </a:p>
+          <a:p>
+            <a:pPr lvl="1"/>
+            <a:endParaRPr lang="nl-BE" dirty="0"/>
+          </a:p>
+          <a:p>
+            <a:r>
+              <a:rPr lang="nl-BE" b="1" dirty="0"/>
+              <a:t>Slides mogen aangepast worden, op voorwaarde dat deze slide steeds achteraan de slidedeck staat.</a:t>
+            </a:r>
+          </a:p>
+        </p:txBody>
+      </p:sp>
+      <p:sp>
+        <p:nvSpPr>
+          <p:cNvPr id="4" name="Tijdelijke aanduiding voor voettekst 3">
+            <a:extLst>
+              <a:ext uri="{FF2B5EF4-FFF2-40B4-BE49-F238E27FC236}">
+                <a16:creationId xmlns:a16="http://schemas.microsoft.com/office/drawing/2014/main" id="{4C3978F3-3532-3F17-E9AB-E248272BA1E3}"/>
+              </a:ext>
+            </a:extLst>
+          </p:cNvPr>
+          <p:cNvSpPr>
+            <a:spLocks noGrp="1"/>
+          </p:cNvSpPr>
+          <p:nvPr>
+            <p:ph type="ftr" sz="quarter" idx="11"/>
+          </p:nvPr>
+        </p:nvSpPr>
+        <p:spPr/>
+        <p:txBody>
+          <a:bodyPr/>
+          <a:lstStyle/>
+          <a:p>
+            <a:r>
+              <a:rPr lang="nl-BE" dirty="0"/>
+              <a:t>Zie Scherp Scherper</a:t>
+            </a:r>
+          </a:p>
+        </p:txBody>
+      </p:sp>
+      <p:sp>
+        <p:nvSpPr>
+          <p:cNvPr id="5" name="Tijdelijke aanduiding voor dianummer 4">
+            <a:extLst>
+              <a:ext uri="{FF2B5EF4-FFF2-40B4-BE49-F238E27FC236}">
+                <a16:creationId xmlns:a16="http://schemas.microsoft.com/office/drawing/2014/main" id="{9769B4E3-C3FC-8575-9CA3-EE3F06738607}"/>
+              </a:ext>
+            </a:extLst>
+          </p:cNvPr>
+          <p:cNvSpPr>
+            <a:spLocks noGrp="1"/>
+          </p:cNvSpPr>
+          <p:nvPr>
+            <p:ph type="sldNum" sz="quarter" idx="12"/>
+          </p:nvPr>
+        </p:nvSpPr>
+        <p:spPr/>
+        <p:txBody>
+          <a:bodyPr/>
+          <a:lstStyle/>
+          <a:p>
+            <a:fld id="{E8A62353-F7CD-46ED-8877-B27D0E33FCF8}" type="slidenum">
+              <a:rPr lang="nl-BE" smtClean="0"/>
+              <a:t>5</a:t>
+            </a:fld>
+            <a:endParaRPr lang="nl-BE"/>
+          </a:p>
+        </p:txBody>
+      </p:sp>
+    </p:spTree>
+    <p:extLst>
+      <p:ext uri="{BB962C8B-B14F-4D97-AF65-F5344CB8AC3E}">
+        <p14:creationId xmlns:p14="http://schemas.microsoft.com/office/powerpoint/2010/main" val="106072752"/>
+      </p:ext>
+    </p:extLst>
+  </p:cSld>
+  <p:clrMapOvr>
+    <a:masterClrMapping/>
+  </p:clrMapOvr>
 </p:sld>
 </file>
 
